--- a/src/pic/TwitterCard.pptx
+++ b/src/pic/TwitterCard.pptx
@@ -13,6 +13,9 @@
     <p:sldId id="261" r:id="rId7"/>
     <p:sldId id="262" r:id="rId8"/>
     <p:sldId id="263" r:id="rId9"/>
+    <p:sldId id="264" r:id="rId10"/>
+    <p:sldId id="265" r:id="rId11"/>
+    <p:sldId id="266" r:id="rId12"/>
   </p:sldIdLst>
   <p:sldSz cx="5202238" cy="2722563"/>
   <p:notesSz cx="6858000" cy="9144000"/>
@@ -250,7 +253,7 @@
           <a:p>
             <a:fld id="{BF9CE5B6-86BF-469E-8BC1-D96D266AEE20}" type="datetimeFigureOut">
               <a:rPr kumimoji="1" lang="ja-JP" altLang="en-US" smtClean="0"/>
-              <a:t>2024/10/29</a:t>
+              <a:t>2024/10/30</a:t>
             </a:fld>
             <a:endParaRPr kumimoji="1" lang="ja-JP" altLang="en-US"/>
           </a:p>
@@ -452,7 +455,7 @@
           <a:p>
             <a:fld id="{BF9CE5B6-86BF-469E-8BC1-D96D266AEE20}" type="datetimeFigureOut">
               <a:rPr kumimoji="1" lang="ja-JP" altLang="en-US" smtClean="0"/>
-              <a:t>2024/10/29</a:t>
+              <a:t>2024/10/30</a:t>
             </a:fld>
             <a:endParaRPr kumimoji="1" lang="ja-JP" altLang="en-US"/>
           </a:p>
@@ -664,7 +667,7 @@
           <a:p>
             <a:fld id="{BF9CE5B6-86BF-469E-8BC1-D96D266AEE20}" type="datetimeFigureOut">
               <a:rPr kumimoji="1" lang="ja-JP" altLang="en-US" smtClean="0"/>
-              <a:t>2024/10/29</a:t>
+              <a:t>2024/10/30</a:t>
             </a:fld>
             <a:endParaRPr kumimoji="1" lang="ja-JP" altLang="en-US"/>
           </a:p>
@@ -866,7 +869,7 @@
           <a:p>
             <a:fld id="{BF9CE5B6-86BF-469E-8BC1-D96D266AEE20}" type="datetimeFigureOut">
               <a:rPr kumimoji="1" lang="ja-JP" altLang="en-US" smtClean="0"/>
-              <a:t>2024/10/29</a:t>
+              <a:t>2024/10/30</a:t>
             </a:fld>
             <a:endParaRPr kumimoji="1" lang="ja-JP" altLang="en-US"/>
           </a:p>
@@ -1112,7 +1115,7 @@
           <a:p>
             <a:fld id="{BF9CE5B6-86BF-469E-8BC1-D96D266AEE20}" type="datetimeFigureOut">
               <a:rPr kumimoji="1" lang="ja-JP" altLang="en-US" smtClean="0"/>
-              <a:t>2024/10/29</a:t>
+              <a:t>2024/10/30</a:t>
             </a:fld>
             <a:endParaRPr kumimoji="1" lang="ja-JP" altLang="en-US"/>
           </a:p>
@@ -1408,7 +1411,7 @@
           <a:p>
             <a:fld id="{BF9CE5B6-86BF-469E-8BC1-D96D266AEE20}" type="datetimeFigureOut">
               <a:rPr kumimoji="1" lang="ja-JP" altLang="en-US" smtClean="0"/>
-              <a:t>2024/10/29</a:t>
+              <a:t>2024/10/30</a:t>
             </a:fld>
             <a:endParaRPr kumimoji="1" lang="ja-JP" altLang="en-US"/>
           </a:p>
@@ -1839,7 +1842,7 @@
           <a:p>
             <a:fld id="{BF9CE5B6-86BF-469E-8BC1-D96D266AEE20}" type="datetimeFigureOut">
               <a:rPr kumimoji="1" lang="ja-JP" altLang="en-US" smtClean="0"/>
-              <a:t>2024/10/29</a:t>
+              <a:t>2024/10/30</a:t>
             </a:fld>
             <a:endParaRPr kumimoji="1" lang="ja-JP" altLang="en-US"/>
           </a:p>
@@ -1957,7 +1960,7 @@
           <a:p>
             <a:fld id="{BF9CE5B6-86BF-469E-8BC1-D96D266AEE20}" type="datetimeFigureOut">
               <a:rPr kumimoji="1" lang="ja-JP" altLang="en-US" smtClean="0"/>
-              <a:t>2024/10/29</a:t>
+              <a:t>2024/10/30</a:t>
             </a:fld>
             <a:endParaRPr kumimoji="1" lang="ja-JP" altLang="en-US"/>
           </a:p>
@@ -2052,7 +2055,7 @@
           <a:p>
             <a:fld id="{BF9CE5B6-86BF-469E-8BC1-D96D266AEE20}" type="datetimeFigureOut">
               <a:rPr kumimoji="1" lang="ja-JP" altLang="en-US" smtClean="0"/>
-              <a:t>2024/10/29</a:t>
+              <a:t>2024/10/30</a:t>
             </a:fld>
             <a:endParaRPr kumimoji="1" lang="ja-JP" altLang="en-US"/>
           </a:p>
@@ -2361,7 +2364,7 @@
           <a:p>
             <a:fld id="{BF9CE5B6-86BF-469E-8BC1-D96D266AEE20}" type="datetimeFigureOut">
               <a:rPr kumimoji="1" lang="ja-JP" altLang="en-US" smtClean="0"/>
-              <a:t>2024/10/29</a:t>
+              <a:t>2024/10/30</a:t>
             </a:fld>
             <a:endParaRPr kumimoji="1" lang="ja-JP" altLang="en-US"/>
           </a:p>
@@ -2618,7 +2621,7 @@
           <a:p>
             <a:fld id="{BF9CE5B6-86BF-469E-8BC1-D96D266AEE20}" type="datetimeFigureOut">
               <a:rPr kumimoji="1" lang="ja-JP" altLang="en-US" smtClean="0"/>
-              <a:t>2024/10/29</a:t>
+              <a:t>2024/10/30</a:t>
             </a:fld>
             <a:endParaRPr kumimoji="1" lang="ja-JP" altLang="en-US"/>
           </a:p>
@@ -2875,7 +2878,7 @@
           <a:p>
             <a:fld id="{BF9CE5B6-86BF-469E-8BC1-D96D266AEE20}" type="datetimeFigureOut">
               <a:rPr kumimoji="1" lang="ja-JP" altLang="en-US" smtClean="0"/>
-              <a:t>2024/10/29</a:t>
+              <a:t>2024/10/30</a:t>
             </a:fld>
             <a:endParaRPr kumimoji="1" lang="ja-JP" altLang="en-US"/>
           </a:p>
@@ -3529,6 +3532,478 @@
 </p:sld>
 </file>
 
+<file path=ppt/slides/slide10.xml><?xml version="1.0" encoding="utf-8"?>
+<p:sld xmlns:a="http://schemas.openxmlformats.org/drawingml/2006/main" xmlns:r="http://schemas.openxmlformats.org/officeDocument/2006/relationships" xmlns:p="http://schemas.openxmlformats.org/presentationml/2006/main">
+  <p:cSld>
+    <p:bg>
+      <p:bgPr>
+        <a:gradFill flip="none" rotWithShape="1">
+          <a:gsLst>
+            <a:gs pos="5000">
+              <a:srgbClr val="FFE7F5"/>
+            </a:gs>
+            <a:gs pos="100000">
+              <a:srgbClr val="FFFBFD"/>
+            </a:gs>
+          </a:gsLst>
+          <a:lin ang="16200000" scaled="0"/>
+          <a:tileRect/>
+        </a:gradFill>
+        <a:effectLst/>
+      </p:bgPr>
+    </p:bg>
+    <p:spTree>
+      <p:nvGrpSpPr>
+        <p:cNvPr id="1" name=""/>
+        <p:cNvGrpSpPr/>
+        <p:nvPr/>
+      </p:nvGrpSpPr>
+      <p:grpSpPr>
+        <a:xfrm>
+          <a:off x="0" y="0"/>
+          <a:ext cx="0" cy="0"/>
+          <a:chOff x="0" y="0"/>
+          <a:chExt cx="0" cy="0"/>
+        </a:xfrm>
+      </p:grpSpPr>
+      <p:sp>
+        <p:nvSpPr>
+          <p:cNvPr id="4" name="テキスト ボックス 3"/>
+          <p:cNvSpPr txBox="1"/>
+          <p:nvPr/>
+        </p:nvSpPr>
+        <p:spPr>
+          <a:xfrm>
+            <a:off x="571502" y="80950"/>
+            <a:ext cx="4059236" cy="584775"/>
+          </a:xfrm>
+          <a:prstGeom prst="rect">
+            <a:avLst/>
+          </a:prstGeom>
+          <a:noFill/>
+        </p:spPr>
+        <p:txBody>
+          <a:bodyPr wrap="square" rtlCol="0">
+            <a:spAutoFit/>
+          </a:bodyPr>
+          <a:lstStyle/>
+          <a:p>
+            <a:r>
+              <a:rPr lang="en-US" altLang="ja-JP" sz="1600" dirty="0" smtClean="0">
+                <a:latin typeface="BIZ UDゴシック" panose="020B0400000000000000" pitchFamily="49" charset="-128"/>
+                <a:ea typeface="BIZ UDゴシック" panose="020B0400000000000000" pitchFamily="49" charset="-128"/>
+              </a:rPr>
+              <a:t>Japanese radio program</a:t>
+            </a:r>
+          </a:p>
+          <a:p>
+            <a:r>
+              <a:rPr lang="en-US" altLang="ja-JP" sz="1600" dirty="0" err="1" smtClean="0">
+                <a:latin typeface="BIZ UDゴシック" panose="020B0400000000000000" pitchFamily="49" charset="-128"/>
+                <a:ea typeface="BIZ UDゴシック" panose="020B0400000000000000" pitchFamily="49" charset="-128"/>
+              </a:rPr>
+              <a:t>Mucomi</a:t>
+            </a:r>
+            <a:r>
+              <a:rPr lang="en-US" altLang="ja-JP" sz="1600" dirty="0" smtClean="0">
+                <a:latin typeface="BIZ UDゴシック" panose="020B0400000000000000" pitchFamily="49" charset="-128"/>
+                <a:ea typeface="BIZ UDゴシック" panose="020B0400000000000000" pitchFamily="49" charset="-128"/>
+              </a:rPr>
+              <a:t> </a:t>
+            </a:r>
+            <a:r>
+              <a:rPr lang="en-US" altLang="ja-JP" sz="1600" dirty="0" err="1" smtClean="0">
+                <a:latin typeface="BIZ UDゴシック" panose="020B0400000000000000" pitchFamily="49" charset="-128"/>
+                <a:ea typeface="BIZ UDゴシック" panose="020B0400000000000000" pitchFamily="49" charset="-128"/>
+              </a:rPr>
+              <a:t>VR“VTuber</a:t>
+            </a:r>
+            <a:r>
+              <a:rPr lang="en-US" altLang="ja-JP" sz="1600" dirty="0" smtClean="0">
+                <a:latin typeface="BIZ UDゴシック" panose="020B0400000000000000" pitchFamily="49" charset="-128"/>
+                <a:ea typeface="BIZ UDゴシック" panose="020B0400000000000000" pitchFamily="49" charset="-128"/>
+              </a:rPr>
+              <a:t> Song Ranking”</a:t>
+            </a:r>
+            <a:endParaRPr kumimoji="1" lang="ja-JP" altLang="en-US" sz="1600" dirty="0">
+              <a:latin typeface="BIZ UDゴシック" panose="020B0400000000000000" pitchFamily="49" charset="-128"/>
+              <a:ea typeface="BIZ UDゴシック" panose="020B0400000000000000" pitchFamily="49" charset="-128"/>
+            </a:endParaRPr>
+          </a:p>
+        </p:txBody>
+      </p:sp>
+      <p:sp>
+        <p:nvSpPr>
+          <p:cNvPr id="5" name="テキスト ボックス 4"/>
+          <p:cNvSpPr txBox="1"/>
+          <p:nvPr/>
+        </p:nvSpPr>
+        <p:spPr>
+          <a:xfrm>
+            <a:off x="571500" y="1981072"/>
+            <a:ext cx="4059238" cy="369332"/>
+          </a:xfrm>
+          <a:prstGeom prst="rect">
+            <a:avLst/>
+          </a:prstGeom>
+          <a:noFill/>
+        </p:spPr>
+        <p:txBody>
+          <a:bodyPr wrap="square" rtlCol="0">
+            <a:spAutoFit/>
+          </a:bodyPr>
+          <a:lstStyle/>
+          <a:p>
+            <a:pPr algn="ctr"/>
+            <a:r>
+              <a:rPr lang="en-US" altLang="ja-JP" sz="1800" dirty="0" err="1">
+                <a:latin typeface="BIZ UDゴシック" panose="020B0400000000000000" pitchFamily="49" charset="-128"/>
+                <a:ea typeface="BIZ UDゴシック" panose="020B0400000000000000" pitchFamily="49" charset="-128"/>
+              </a:rPr>
+              <a:t>Chiyoura</a:t>
+            </a:r>
+            <a:r>
+              <a:rPr lang="en-US" altLang="ja-JP" sz="1800" dirty="0">
+                <a:latin typeface="BIZ UDゴシック" panose="020B0400000000000000" pitchFamily="49" charset="-128"/>
+                <a:ea typeface="BIZ UDゴシック" panose="020B0400000000000000" pitchFamily="49" charset="-128"/>
+              </a:rPr>
+              <a:t> </a:t>
+            </a:r>
+            <a:r>
+              <a:rPr lang="en-US" altLang="ja-JP" sz="1800" dirty="0" err="1" smtClean="0">
+                <a:latin typeface="BIZ UDゴシック" panose="020B0400000000000000" pitchFamily="49" charset="-128"/>
+                <a:ea typeface="BIZ UDゴシック" panose="020B0400000000000000" pitchFamily="49" charset="-128"/>
+              </a:rPr>
+              <a:t>Chiyomi</a:t>
+            </a:r>
+            <a:r>
+              <a:rPr lang="en-US" altLang="ja-JP" sz="1800" dirty="0" smtClean="0">
+                <a:latin typeface="BIZ UDゴシック" panose="020B0400000000000000" pitchFamily="49" charset="-128"/>
+                <a:ea typeface="BIZ UDゴシック" panose="020B0400000000000000" pitchFamily="49" charset="-128"/>
+              </a:rPr>
+              <a:t> </a:t>
+            </a:r>
+            <a:r>
+              <a:rPr lang="en-US" altLang="ja-JP" sz="1800" dirty="0">
+                <a:latin typeface="BIZ UDゴシック" panose="020B0400000000000000" pitchFamily="49" charset="-128"/>
+                <a:ea typeface="BIZ UDゴシック" panose="020B0400000000000000" pitchFamily="49" charset="-128"/>
+              </a:rPr>
+              <a:t>Voting Site</a:t>
+            </a:r>
+            <a:endParaRPr kumimoji="1" lang="ja-JP" altLang="en-US" sz="1800" dirty="0">
+              <a:latin typeface="BIZ UDゴシック" panose="020B0400000000000000" pitchFamily="49" charset="-128"/>
+              <a:ea typeface="BIZ UDゴシック" panose="020B0400000000000000" pitchFamily="49" charset="-128"/>
+            </a:endParaRPr>
+          </a:p>
+        </p:txBody>
+      </p:sp>
+      <p:sp>
+        <p:nvSpPr>
+          <p:cNvPr id="6" name="テキスト ボックス 5"/>
+          <p:cNvSpPr txBox="1"/>
+          <p:nvPr/>
+        </p:nvSpPr>
+        <p:spPr>
+          <a:xfrm>
+            <a:off x="0" y="907900"/>
+            <a:ext cx="5202238" cy="830997"/>
+          </a:xfrm>
+          <a:prstGeom prst="rect">
+            <a:avLst/>
+          </a:prstGeom>
+          <a:noFill/>
+        </p:spPr>
+        <p:txBody>
+          <a:bodyPr wrap="square" rtlCol="0">
+            <a:spAutoFit/>
+          </a:bodyPr>
+          <a:lstStyle/>
+          <a:p>
+            <a:pPr algn="ctr"/>
+            <a:r>
+              <a:rPr lang="en-US" altLang="ja-JP" sz="2400" dirty="0">
+                <a:solidFill>
+                  <a:srgbClr val="FF79C6"/>
+                </a:solidFill>
+                <a:latin typeface="BIZ UDゴシック" panose="020B0400000000000000" pitchFamily="49" charset="-128"/>
+                <a:ea typeface="BIZ UDゴシック" panose="020B0400000000000000" pitchFamily="49" charset="-128"/>
+              </a:rPr>
+              <a:t>Use / cooperation</a:t>
+            </a:r>
+          </a:p>
+          <a:p>
+            <a:pPr algn="ctr"/>
+            <a:r>
+              <a:rPr lang="en-US" altLang="ja-JP" sz="2400" dirty="0">
+                <a:solidFill>
+                  <a:srgbClr val="FF79C6"/>
+                </a:solidFill>
+                <a:latin typeface="BIZ UDゴシック" panose="020B0400000000000000" pitchFamily="49" charset="-128"/>
+                <a:ea typeface="BIZ UDゴシック" panose="020B0400000000000000" pitchFamily="49" charset="-128"/>
+              </a:rPr>
+              <a:t>thank you very much.</a:t>
+            </a:r>
+            <a:endParaRPr kumimoji="1" lang="ja-JP" altLang="en-US" sz="2400" dirty="0">
+              <a:solidFill>
+                <a:srgbClr val="FF79C6"/>
+              </a:solidFill>
+              <a:latin typeface="BIZ UDゴシック" panose="020B0400000000000000" pitchFamily="49" charset="-128"/>
+              <a:ea typeface="BIZ UDゴシック" panose="020B0400000000000000" pitchFamily="49" charset="-128"/>
+            </a:endParaRPr>
+          </a:p>
+        </p:txBody>
+      </p:sp>
+    </p:spTree>
+    <p:extLst>
+      <p:ext uri="{BB962C8B-B14F-4D97-AF65-F5344CB8AC3E}">
+        <p14:creationId xmlns:p14="http://schemas.microsoft.com/office/powerpoint/2010/main" val="4194185949"/>
+      </p:ext>
+    </p:extLst>
+  </p:cSld>
+  <p:clrMapOvr>
+    <a:masterClrMapping/>
+  </p:clrMapOvr>
+</p:sld>
+</file>
+
+<file path=ppt/slides/slide11.xml><?xml version="1.0" encoding="utf-8"?>
+<p:sld xmlns:a="http://schemas.openxmlformats.org/drawingml/2006/main" xmlns:r="http://schemas.openxmlformats.org/officeDocument/2006/relationships" xmlns:p="http://schemas.openxmlformats.org/presentationml/2006/main">
+  <p:cSld>
+    <p:bg>
+      <p:bgPr>
+        <a:gradFill flip="none" rotWithShape="1">
+          <a:gsLst>
+            <a:gs pos="5000">
+              <a:srgbClr val="FFE7F5"/>
+            </a:gs>
+            <a:gs pos="100000">
+              <a:srgbClr val="FFFBFD"/>
+            </a:gs>
+          </a:gsLst>
+          <a:lin ang="16200000" scaled="0"/>
+          <a:tileRect/>
+        </a:gradFill>
+        <a:effectLst/>
+      </p:bgPr>
+    </p:bg>
+    <p:spTree>
+      <p:nvGrpSpPr>
+        <p:cNvPr id="1" name=""/>
+        <p:cNvGrpSpPr/>
+        <p:nvPr/>
+      </p:nvGrpSpPr>
+      <p:grpSpPr>
+        <a:xfrm>
+          <a:off x="0" y="0"/>
+          <a:ext cx="0" cy="0"/>
+          <a:chOff x="0" y="0"/>
+          <a:chExt cx="0" cy="0"/>
+        </a:xfrm>
+      </p:grpSpPr>
+      <p:sp>
+        <p:nvSpPr>
+          <p:cNvPr id="4" name="テキスト ボックス 3"/>
+          <p:cNvSpPr txBox="1"/>
+          <p:nvPr/>
+        </p:nvSpPr>
+        <p:spPr>
+          <a:xfrm>
+            <a:off x="188686" y="182035"/>
+            <a:ext cx="4824864" cy="338554"/>
+          </a:xfrm>
+          <a:prstGeom prst="rect">
+            <a:avLst/>
+          </a:prstGeom>
+          <a:noFill/>
+        </p:spPr>
+        <p:txBody>
+          <a:bodyPr wrap="square" rtlCol="0">
+            <a:spAutoFit/>
+          </a:bodyPr>
+          <a:lstStyle/>
+          <a:p>
+            <a:r>
+              <a:rPr lang="ja-JP" altLang="en-US" sz="1600" dirty="0">
+                <a:latin typeface="BIZ UDゴシック" panose="020B0400000000000000" pitchFamily="49" charset="-128"/>
+                <a:ea typeface="BIZ UDゴシック" panose="020B0400000000000000" pitchFamily="49" charset="-128"/>
+              </a:rPr>
+              <a:t>ミューコミ</a:t>
+            </a:r>
+            <a:r>
+              <a:rPr lang="en-US" altLang="ja-JP" sz="1600" dirty="0">
+                <a:latin typeface="BIZ UDゴシック" panose="020B0400000000000000" pitchFamily="49" charset="-128"/>
+                <a:ea typeface="BIZ UDゴシック" panose="020B0400000000000000" pitchFamily="49" charset="-128"/>
+              </a:rPr>
+              <a:t>VR(</a:t>
+            </a:r>
+            <a:r>
+              <a:rPr lang="en-US" altLang="ja-JP" sz="1600" dirty="0" err="1">
+                <a:latin typeface="BIZ UDゴシック" panose="020B0400000000000000" pitchFamily="49" charset="-128"/>
+                <a:ea typeface="BIZ UDゴシック" panose="020B0400000000000000" pitchFamily="49" charset="-128"/>
+              </a:rPr>
+              <a:t>Mucomi</a:t>
+            </a:r>
+            <a:r>
+              <a:rPr lang="en-US" altLang="ja-JP" sz="1600" dirty="0">
+                <a:latin typeface="BIZ UDゴシック" panose="020B0400000000000000" pitchFamily="49" charset="-128"/>
+                <a:ea typeface="BIZ UDゴシック" panose="020B0400000000000000" pitchFamily="49" charset="-128"/>
+              </a:rPr>
+              <a:t> VR) </a:t>
+            </a:r>
+            <a:r>
+              <a:rPr lang="en-US" altLang="ja-JP" sz="1600" dirty="0" err="1">
+                <a:latin typeface="BIZ UDゴシック" panose="020B0400000000000000" pitchFamily="49" charset="-128"/>
+                <a:ea typeface="BIZ UDゴシック" panose="020B0400000000000000" pitchFamily="49" charset="-128"/>
+              </a:rPr>
+              <a:t>VTuber</a:t>
+            </a:r>
+            <a:r>
+              <a:rPr lang="en-US" altLang="ja-JP" sz="1600" dirty="0">
+                <a:latin typeface="BIZ UDゴシック" panose="020B0400000000000000" pitchFamily="49" charset="-128"/>
+                <a:ea typeface="BIZ UDゴシック" panose="020B0400000000000000" pitchFamily="49" charset="-128"/>
+              </a:rPr>
+              <a:t> </a:t>
+            </a:r>
+            <a:r>
+              <a:rPr lang="ja-JP" altLang="en-US" sz="1600" dirty="0" smtClean="0">
+                <a:latin typeface="游ゴシック Medium" panose="020B0500000000000000" pitchFamily="50" charset="-128"/>
+                <a:ea typeface="游ゴシック Medium" panose="020B0500000000000000" pitchFamily="50" charset="-128"/>
+              </a:rPr>
+              <a:t>歌曲排行榜</a:t>
+            </a:r>
+            <a:endParaRPr kumimoji="1" lang="ja-JP" altLang="en-US" sz="1600" dirty="0">
+              <a:latin typeface="游ゴシック Medium" panose="020B0500000000000000" pitchFamily="50" charset="-128"/>
+              <a:ea typeface="游ゴシック Medium" panose="020B0500000000000000" pitchFamily="50" charset="-128"/>
+            </a:endParaRPr>
+          </a:p>
+        </p:txBody>
+      </p:sp>
+      <p:sp>
+        <p:nvSpPr>
+          <p:cNvPr id="5" name="テキスト ボックス 4"/>
+          <p:cNvSpPr txBox="1"/>
+          <p:nvPr/>
+        </p:nvSpPr>
+        <p:spPr>
+          <a:xfrm>
+            <a:off x="188686" y="1987060"/>
+            <a:ext cx="4824866" cy="400110"/>
+          </a:xfrm>
+          <a:prstGeom prst="rect">
+            <a:avLst/>
+          </a:prstGeom>
+          <a:noFill/>
+        </p:spPr>
+        <p:txBody>
+          <a:bodyPr wrap="square" rtlCol="0">
+            <a:spAutoFit/>
+          </a:bodyPr>
+          <a:lstStyle/>
+          <a:p>
+            <a:pPr algn="ctr"/>
+            <a:r>
+              <a:rPr lang="zh-TW" altLang="en-US" sz="2000" dirty="0">
+                <a:latin typeface="游ゴシック Medium" panose="020B0500000000000000" pitchFamily="50" charset="-128"/>
+                <a:ea typeface="游ゴシック Medium" panose="020B0500000000000000" pitchFamily="50" charset="-128"/>
+              </a:rPr>
+              <a:t>千代浦蝶美投票地點</a:t>
+            </a:r>
+            <a:endParaRPr kumimoji="1" lang="ja-JP" altLang="en-US" sz="2000" dirty="0">
+              <a:latin typeface="游ゴシック Medium" panose="020B0500000000000000" pitchFamily="50" charset="-128"/>
+              <a:ea typeface="游ゴシック Medium" panose="020B0500000000000000" pitchFamily="50" charset="-128"/>
+            </a:endParaRPr>
+          </a:p>
+        </p:txBody>
+      </p:sp>
+      <p:sp>
+        <p:nvSpPr>
+          <p:cNvPr id="6" name="テキスト ボックス 5"/>
+          <p:cNvSpPr txBox="1"/>
+          <p:nvPr/>
+        </p:nvSpPr>
+        <p:spPr>
+          <a:xfrm>
+            <a:off x="188684" y="653660"/>
+            <a:ext cx="4824866" cy="1200329"/>
+          </a:xfrm>
+          <a:prstGeom prst="rect">
+            <a:avLst/>
+          </a:prstGeom>
+          <a:noFill/>
+        </p:spPr>
+        <p:txBody>
+          <a:bodyPr wrap="square" rtlCol="0">
+            <a:spAutoFit/>
+          </a:bodyPr>
+          <a:lstStyle/>
+          <a:p>
+            <a:pPr algn="ctr"/>
+            <a:r>
+              <a:rPr lang="zh-TW" altLang="en-US" sz="3600" dirty="0">
+                <a:solidFill>
+                  <a:srgbClr val="FF79C6"/>
+                </a:solidFill>
+                <a:latin typeface="游ゴシック Medium" panose="020B0500000000000000" pitchFamily="50" charset="-128"/>
+                <a:ea typeface="游ゴシック Medium" panose="020B0500000000000000" pitchFamily="50" charset="-128"/>
+              </a:rPr>
+              <a:t>使用 </a:t>
+            </a:r>
+            <a:r>
+              <a:rPr lang="en-US" altLang="zh-TW" sz="3600" dirty="0">
+                <a:solidFill>
+                  <a:srgbClr val="FF79C6"/>
+                </a:solidFill>
+                <a:latin typeface="游ゴシック Medium" panose="020B0500000000000000" pitchFamily="50" charset="-128"/>
+                <a:ea typeface="游ゴシック Medium" panose="020B0500000000000000" pitchFamily="50" charset="-128"/>
+              </a:rPr>
+              <a:t>/ </a:t>
+            </a:r>
+            <a:r>
+              <a:rPr lang="zh-TW" altLang="en-US" sz="3600" dirty="0">
+                <a:solidFill>
+                  <a:srgbClr val="FF79C6"/>
+                </a:solidFill>
+                <a:latin typeface="游ゴシック Medium" panose="020B0500000000000000" pitchFamily="50" charset="-128"/>
+                <a:ea typeface="游ゴシック Medium" panose="020B0500000000000000" pitchFamily="50" charset="-128"/>
+              </a:rPr>
+              <a:t>合作</a:t>
+            </a:r>
+          </a:p>
+          <a:p>
+            <a:pPr algn="ctr"/>
+            <a:r>
+              <a:rPr lang="zh-TW" altLang="en-US" sz="3600" dirty="0">
+                <a:solidFill>
+                  <a:srgbClr val="FF79C6"/>
+                </a:solidFill>
+                <a:latin typeface="游ゴシック Medium" panose="020B0500000000000000" pitchFamily="50" charset="-128"/>
+                <a:ea typeface="游ゴシック Medium" panose="020B0500000000000000" pitchFamily="50" charset="-128"/>
+              </a:rPr>
+              <a:t>多謝晒你。</a:t>
+            </a:r>
+            <a:endParaRPr kumimoji="1" lang="ja-JP" altLang="en-US" sz="3600" dirty="0">
+              <a:solidFill>
+                <a:srgbClr val="FF79C6"/>
+              </a:solidFill>
+              <a:latin typeface="游ゴシック Medium" panose="020B0500000000000000" pitchFamily="50" charset="-128"/>
+              <a:ea typeface="游ゴシック Medium" panose="020B0500000000000000" pitchFamily="50" charset="-128"/>
+            </a:endParaRPr>
+          </a:p>
+        </p:txBody>
+      </p:sp>
+    </p:spTree>
+    <p:extLst>
+      <p:ext uri="{BB962C8B-B14F-4D97-AF65-F5344CB8AC3E}">
+        <p14:creationId xmlns:p14="http://schemas.microsoft.com/office/powerpoint/2010/main" val="1692969687"/>
+      </p:ext>
+    </p:extLst>
+  </p:cSld>
+  <p:clrMapOvr>
+    <a:masterClrMapping/>
+  </p:clrMapOvr>
+</p:sld>
+</file>
+
 <file path=ppt/slides/slide2.xml><?xml version="1.0" encoding="utf-8"?>
 <p:sld xmlns:a="http://schemas.openxmlformats.org/drawingml/2006/main" xmlns:r="http://schemas.openxmlformats.org/officeDocument/2006/relationships" xmlns:p="http://schemas.openxmlformats.org/presentationml/2006/main">
   <p:cSld>
@@ -5566,6 +6041,237 @@
     <p:extLst>
       <p:ext uri="{BB962C8B-B14F-4D97-AF65-F5344CB8AC3E}">
         <p14:creationId xmlns:p14="http://schemas.microsoft.com/office/powerpoint/2010/main" val="111438715"/>
+      </p:ext>
+    </p:extLst>
+  </p:cSld>
+  <p:clrMapOvr>
+    <a:masterClrMapping/>
+  </p:clrMapOvr>
+</p:sld>
+</file>
+
+<file path=ppt/slides/slide9.xml><?xml version="1.0" encoding="utf-8"?>
+<p:sld xmlns:a="http://schemas.openxmlformats.org/drawingml/2006/main" xmlns:r="http://schemas.openxmlformats.org/officeDocument/2006/relationships" xmlns:p="http://schemas.openxmlformats.org/presentationml/2006/main">
+  <p:cSld>
+    <p:bg>
+      <p:bgPr>
+        <a:gradFill flip="none" rotWithShape="1">
+          <a:gsLst>
+            <a:gs pos="5000">
+              <a:srgbClr val="FFE7F5"/>
+            </a:gs>
+            <a:gs pos="100000">
+              <a:srgbClr val="FFFBFD"/>
+            </a:gs>
+          </a:gsLst>
+          <a:lin ang="16200000" scaled="0"/>
+          <a:tileRect/>
+        </a:gradFill>
+        <a:effectLst/>
+      </p:bgPr>
+    </p:bg>
+    <p:spTree>
+      <p:nvGrpSpPr>
+        <p:cNvPr id="1" name=""/>
+        <p:cNvGrpSpPr/>
+        <p:nvPr/>
+      </p:nvGrpSpPr>
+      <p:grpSpPr>
+        <a:xfrm>
+          <a:off x="0" y="0"/>
+          <a:ext cx="0" cy="0"/>
+          <a:chOff x="0" y="0"/>
+          <a:chExt cx="0" cy="0"/>
+        </a:xfrm>
+      </p:grpSpPr>
+      <p:sp>
+        <p:nvSpPr>
+          <p:cNvPr id="4" name="テキスト ボックス 3"/>
+          <p:cNvSpPr txBox="1"/>
+          <p:nvPr/>
+        </p:nvSpPr>
+        <p:spPr>
+          <a:xfrm>
+            <a:off x="188686" y="182035"/>
+            <a:ext cx="4824864" cy="338554"/>
+          </a:xfrm>
+          <a:prstGeom prst="rect">
+            <a:avLst/>
+          </a:prstGeom>
+          <a:noFill/>
+        </p:spPr>
+        <p:txBody>
+          <a:bodyPr wrap="square" rtlCol="0">
+            <a:spAutoFit/>
+          </a:bodyPr>
+          <a:lstStyle/>
+          <a:p>
+            <a:r>
+              <a:rPr lang="ja-JP" altLang="en-US" sz="1600" dirty="0" smtClean="0">
+                <a:latin typeface="BIZ UDゴシック" panose="020B0400000000000000" pitchFamily="49" charset="-128"/>
+                <a:ea typeface="BIZ UDゴシック" panose="020B0400000000000000" pitchFamily="49" charset="-128"/>
+              </a:rPr>
+              <a:t>ミューコミ</a:t>
+            </a:r>
+            <a:r>
+              <a:rPr lang="en-US" altLang="ja-JP" sz="1600" dirty="0" smtClean="0">
+                <a:latin typeface="BIZ UDゴシック" panose="020B0400000000000000" pitchFamily="49" charset="-128"/>
+                <a:ea typeface="BIZ UDゴシック" panose="020B0400000000000000" pitchFamily="49" charset="-128"/>
+              </a:rPr>
+              <a:t>VR</a:t>
+            </a:r>
+            <a:r>
+              <a:rPr lang="ja-JP" altLang="en-US" sz="1600" dirty="0" smtClean="0">
+                <a:latin typeface="BIZ UDゴシック" panose="020B0400000000000000" pitchFamily="49" charset="-128"/>
+                <a:ea typeface="BIZ UDゴシック" panose="020B0400000000000000" pitchFamily="49" charset="-128"/>
+              </a:rPr>
+              <a:t>　</a:t>
+            </a:r>
+            <a:r>
+              <a:rPr lang="en-US" altLang="ja-JP" sz="1600" dirty="0" err="1" smtClean="0">
+                <a:latin typeface="BIZ UDゴシック" panose="020B0400000000000000" pitchFamily="49" charset="-128"/>
+                <a:ea typeface="BIZ UDゴシック" panose="020B0400000000000000" pitchFamily="49" charset="-128"/>
+              </a:rPr>
+              <a:t>VTuber</a:t>
+            </a:r>
+            <a:r>
+              <a:rPr lang="ja-JP" altLang="en-US" sz="1600" dirty="0" smtClean="0">
+                <a:latin typeface="BIZ UDゴシック" panose="020B0400000000000000" pitchFamily="49" charset="-128"/>
+                <a:ea typeface="BIZ UDゴシック" panose="020B0400000000000000" pitchFamily="49" charset="-128"/>
+              </a:rPr>
+              <a:t>楽曲ランキング</a:t>
+            </a:r>
+            <a:endParaRPr kumimoji="1" lang="ja-JP" altLang="en-US" sz="1600" dirty="0">
+              <a:latin typeface="BIZ UDゴシック" panose="020B0400000000000000" pitchFamily="49" charset="-128"/>
+              <a:ea typeface="BIZ UDゴシック" panose="020B0400000000000000" pitchFamily="49" charset="-128"/>
+            </a:endParaRPr>
+          </a:p>
+        </p:txBody>
+      </p:sp>
+      <p:sp>
+        <p:nvSpPr>
+          <p:cNvPr id="5" name="テキスト ボックス 4"/>
+          <p:cNvSpPr txBox="1"/>
+          <p:nvPr/>
+        </p:nvSpPr>
+        <p:spPr>
+          <a:xfrm>
+            <a:off x="188686" y="1987060"/>
+            <a:ext cx="4824866" cy="400110"/>
+          </a:xfrm>
+          <a:prstGeom prst="rect">
+            <a:avLst/>
+          </a:prstGeom>
+          <a:noFill/>
+        </p:spPr>
+        <p:txBody>
+          <a:bodyPr wrap="square" rtlCol="0">
+            <a:spAutoFit/>
+          </a:bodyPr>
+          <a:lstStyle/>
+          <a:p>
+            <a:pPr algn="ctr"/>
+            <a:r>
+              <a:rPr kumimoji="1" lang="ja-JP" altLang="en-US" sz="2000" dirty="0" smtClean="0">
+                <a:latin typeface="BIZ UDゴシック" panose="020B0400000000000000" pitchFamily="49" charset="-128"/>
+                <a:ea typeface="BIZ UDゴシック" panose="020B0400000000000000" pitchFamily="49" charset="-128"/>
+              </a:rPr>
+              <a:t>千代浦蝶美投票サイト</a:t>
+            </a:r>
+            <a:endParaRPr kumimoji="1" lang="ja-JP" altLang="en-US" sz="2000" dirty="0">
+              <a:latin typeface="BIZ UDゴシック" panose="020B0400000000000000" pitchFamily="49" charset="-128"/>
+              <a:ea typeface="BIZ UDゴシック" panose="020B0400000000000000" pitchFamily="49" charset="-128"/>
+            </a:endParaRPr>
+          </a:p>
+        </p:txBody>
+      </p:sp>
+      <p:sp>
+        <p:nvSpPr>
+          <p:cNvPr id="6" name="テキスト ボックス 5"/>
+          <p:cNvSpPr txBox="1"/>
+          <p:nvPr/>
+        </p:nvSpPr>
+        <p:spPr>
+          <a:xfrm>
+            <a:off x="188684" y="715215"/>
+            <a:ext cx="4824866" cy="1077218"/>
+          </a:xfrm>
+          <a:prstGeom prst="rect">
+            <a:avLst/>
+          </a:prstGeom>
+          <a:noFill/>
+        </p:spPr>
+        <p:txBody>
+          <a:bodyPr wrap="square" rtlCol="0">
+            <a:spAutoFit/>
+          </a:bodyPr>
+          <a:lstStyle/>
+          <a:p>
+            <a:pPr algn="ctr"/>
+            <a:r>
+              <a:rPr kumimoji="1" lang="ja-JP" altLang="en-US" sz="3200" dirty="0" smtClean="0">
+                <a:solidFill>
+                  <a:srgbClr val="FF79C6"/>
+                </a:solidFill>
+                <a:latin typeface="BIZ UDゴシック" panose="020B0400000000000000" pitchFamily="49" charset="-128"/>
+                <a:ea typeface="BIZ UDゴシック" panose="020B0400000000000000" pitchFamily="49" charset="-128"/>
+              </a:rPr>
+              <a:t>ご利用・ご協力</a:t>
+            </a:r>
+            <a:endParaRPr kumimoji="1" lang="en-US" altLang="ja-JP" sz="3200" dirty="0" smtClean="0">
+              <a:solidFill>
+                <a:srgbClr val="FF79C6"/>
+              </a:solidFill>
+              <a:latin typeface="BIZ UDゴシック" panose="020B0400000000000000" pitchFamily="49" charset="-128"/>
+              <a:ea typeface="BIZ UDゴシック" panose="020B0400000000000000" pitchFamily="49" charset="-128"/>
+            </a:endParaRPr>
+          </a:p>
+          <a:p>
+            <a:pPr algn="ctr"/>
+            <a:r>
+              <a:rPr lang="ja-JP" altLang="en-US" sz="3200" dirty="0">
+                <a:solidFill>
+                  <a:srgbClr val="FF79C6"/>
+                </a:solidFill>
+                <a:latin typeface="BIZ UDゴシック" panose="020B0400000000000000" pitchFamily="49" charset="-128"/>
+                <a:ea typeface="BIZ UDゴシック" panose="020B0400000000000000" pitchFamily="49" charset="-128"/>
+              </a:rPr>
+              <a:t>ありがとう</a:t>
+            </a:r>
+            <a:r>
+              <a:rPr lang="ja-JP" altLang="en-US" sz="3200" dirty="0" smtClean="0">
+                <a:solidFill>
+                  <a:srgbClr val="FF79C6"/>
+                </a:solidFill>
+                <a:latin typeface="BIZ UDゴシック" panose="020B0400000000000000" pitchFamily="49" charset="-128"/>
+                <a:ea typeface="BIZ UDゴシック" panose="020B0400000000000000" pitchFamily="49" charset="-128"/>
+              </a:rPr>
+              <a:t>ございました</a:t>
+            </a:r>
+            <a:r>
+              <a:rPr lang="ja-JP" altLang="en-US" sz="3200" dirty="0">
+                <a:solidFill>
+                  <a:srgbClr val="FF79C6"/>
+                </a:solidFill>
+                <a:latin typeface="BIZ UDゴシック" panose="020B0400000000000000" pitchFamily="49" charset="-128"/>
+                <a:ea typeface="BIZ UDゴシック" panose="020B0400000000000000" pitchFamily="49" charset="-128"/>
+              </a:rPr>
+              <a:t>。</a:t>
+            </a:r>
+            <a:endParaRPr kumimoji="1" lang="ja-JP" altLang="en-US" sz="3200" dirty="0">
+              <a:solidFill>
+                <a:srgbClr val="FF79C6"/>
+              </a:solidFill>
+              <a:latin typeface="BIZ UDゴシック" panose="020B0400000000000000" pitchFamily="49" charset="-128"/>
+              <a:ea typeface="BIZ UDゴシック" panose="020B0400000000000000" pitchFamily="49" charset="-128"/>
+            </a:endParaRPr>
+          </a:p>
+        </p:txBody>
+      </p:sp>
+    </p:spTree>
+    <p:extLst>
+      <p:ext uri="{BB962C8B-B14F-4D97-AF65-F5344CB8AC3E}">
+        <p14:creationId xmlns:p14="http://schemas.microsoft.com/office/powerpoint/2010/main" val="1280382451"/>
       </p:ext>
     </p:extLst>
   </p:cSld>
